--- a/进度汇报PPT汇总/week8.pptx
+++ b/进度汇报PPT汇总/week8.pptx
@@ -5,14 +5,14 @@
     <p:sldMasterId id="2147483648" r:id="rId1"/>
   </p:sldMasterIdLst>
   <p:notesMasterIdLst>
-    <p:notesMasterId r:id="rId7"/>
+    <p:notesMasterId r:id="rId8"/>
   </p:notesMasterIdLst>
   <p:sldIdLst>
-    <p:sldId id="312" r:id="rId2"/>
-    <p:sldId id="362" r:id="rId3"/>
-    <p:sldId id="363" r:id="rId4"/>
-    <p:sldId id="364" r:id="rId5"/>
-    <p:sldId id="361" r:id="rId6"/>
+    <p:sldId id="312" r:id="rId3"/>
+    <p:sldId id="362" r:id="rId4"/>
+    <p:sldId id="363" r:id="rId5"/>
+    <p:sldId id="364" r:id="rId6"/>
+    <p:sldId id="361" r:id="rId7"/>
   </p:sldIdLst>
   <p:sldSz cx="12192000" cy="6858000"/>
   <p:notesSz cx="6858000" cy="9144000"/>
@@ -111,340 +111,7 @@
       </a:defRPr>
     </a:lvl9pPr>
   </p:defaultTextStyle>
-  <p:extLst>
-    <p:ext uri="{EFAFB233-063F-42B5-8137-9DF3F51BA10A}">
-      <p15:sldGuideLst xmlns:p15="http://schemas.microsoft.com/office/powerpoint/2012/main"/>
-    </p:ext>
-  </p:extLst>
 </p:presentation>
-</file>
-
-<file path=ppt/changesInfos/changesInfo1.xml><?xml version="1.0" encoding="utf-8"?>
-<pc:chgInfo xmlns:a="http://schemas.openxmlformats.org/drawingml/2006/main" xmlns:r="http://schemas.openxmlformats.org/officeDocument/2006/relationships" xmlns:ac="http://schemas.microsoft.com/office/drawing/2013/main/command" xmlns:pc="http://schemas.microsoft.com/office/powerpoint/2013/main/command">
-  <pc:docChgLst>
-    <pc:chgData name="snade jack" userId="ba5019ad82b64393" providerId="LiveId" clId="{D37EFB75-4A62-4DB1-AB08-E59D2A5EE3D2}"/>
-    <pc:docChg chg="custSel addSld delSld modSld delMainMaster">
-      <pc:chgData name="snade jack" userId="ba5019ad82b64393" providerId="LiveId" clId="{D37EFB75-4A62-4DB1-AB08-E59D2A5EE3D2}" dt="2022-04-15T15:50:29.902" v="422" actId="20577"/>
-      <pc:docMkLst>
-        <pc:docMk/>
-      </pc:docMkLst>
-      <pc:sldChg chg="modSp mod">
-        <pc:chgData name="snade jack" userId="ba5019ad82b64393" providerId="LiveId" clId="{D37EFB75-4A62-4DB1-AB08-E59D2A5EE3D2}" dt="2022-04-15T15:50:29.902" v="422" actId="20577"/>
-        <pc:sldMkLst>
-          <pc:docMk/>
-          <pc:sldMk cId="0" sldId="312"/>
-        </pc:sldMkLst>
-        <pc:spChg chg="mod">
-          <ac:chgData name="snade jack" userId="ba5019ad82b64393" providerId="LiveId" clId="{D37EFB75-4A62-4DB1-AB08-E59D2A5EE3D2}" dt="2022-04-15T15:50:29.902" v="422" actId="20577"/>
-          <ac:spMkLst>
-            <pc:docMk/>
-            <pc:sldMk cId="0" sldId="312"/>
-            <ac:spMk id="5" creationId="{00000000-0000-0000-0000-000000000000}"/>
-          </ac:spMkLst>
-        </pc:spChg>
-      </pc:sldChg>
-      <pc:sldChg chg="del">
-        <pc:chgData name="snade jack" userId="ba5019ad82b64393" providerId="LiveId" clId="{D37EFB75-4A62-4DB1-AB08-E59D2A5EE3D2}" dt="2022-04-15T15:43:20.556" v="0" actId="47"/>
-        <pc:sldMkLst>
-          <pc:docMk/>
-          <pc:sldMk cId="0" sldId="362"/>
-        </pc:sldMkLst>
-      </pc:sldChg>
-      <pc:sldChg chg="addSp delSp modSp new mod">
-        <pc:chgData name="snade jack" userId="ba5019ad82b64393" providerId="LiveId" clId="{D37EFB75-4A62-4DB1-AB08-E59D2A5EE3D2}" dt="2022-04-15T15:46:26.689" v="105"/>
-        <pc:sldMkLst>
-          <pc:docMk/>
-          <pc:sldMk cId="510202531" sldId="362"/>
-        </pc:sldMkLst>
-        <pc:spChg chg="mod">
-          <ac:chgData name="snade jack" userId="ba5019ad82b64393" providerId="LiveId" clId="{D37EFB75-4A62-4DB1-AB08-E59D2A5EE3D2}" dt="2022-04-15T15:44:38.676" v="29"/>
-          <ac:spMkLst>
-            <pc:docMk/>
-            <pc:sldMk cId="510202531" sldId="362"/>
-            <ac:spMk id="2" creationId="{947E7097-6F68-40B8-880E-687FF5CF01A0}"/>
-          </ac:spMkLst>
-        </pc:spChg>
-        <pc:spChg chg="mod">
-          <ac:chgData name="snade jack" userId="ba5019ad82b64393" providerId="LiveId" clId="{D37EFB75-4A62-4DB1-AB08-E59D2A5EE3D2}" dt="2022-04-15T15:46:26.689" v="105"/>
-          <ac:spMkLst>
-            <pc:docMk/>
-            <pc:sldMk cId="510202531" sldId="362"/>
-            <ac:spMk id="3" creationId="{C1B56FD8-724D-4A65-AF0A-3A73A6D6FEE9}"/>
-          </ac:spMkLst>
-        </pc:spChg>
-        <pc:spChg chg="add del">
-          <ac:chgData name="snade jack" userId="ba5019ad82b64393" providerId="LiveId" clId="{D37EFB75-4A62-4DB1-AB08-E59D2A5EE3D2}" dt="2022-04-15T15:45:31.911" v="57"/>
-          <ac:spMkLst>
-            <pc:docMk/>
-            <pc:sldMk cId="510202531" sldId="362"/>
-            <ac:spMk id="5" creationId="{C7963ADE-22CD-4EDF-A5EC-3BF9AF9C83CE}"/>
-          </ac:spMkLst>
-        </pc:spChg>
-        <pc:spChg chg="add del">
-          <ac:chgData name="snade jack" userId="ba5019ad82b64393" providerId="LiveId" clId="{D37EFB75-4A62-4DB1-AB08-E59D2A5EE3D2}" dt="2022-04-15T15:45:32.988" v="59"/>
-          <ac:spMkLst>
-            <pc:docMk/>
-            <pc:sldMk cId="510202531" sldId="362"/>
-            <ac:spMk id="6" creationId="{7C7FFF81-0B9A-4EBE-8C77-1F22759CCEBF}"/>
-          </ac:spMkLst>
-        </pc:spChg>
-      </pc:sldChg>
-      <pc:sldChg chg="del">
-        <pc:chgData name="snade jack" userId="ba5019ad82b64393" providerId="LiveId" clId="{D37EFB75-4A62-4DB1-AB08-E59D2A5EE3D2}" dt="2022-04-15T15:43:20.556" v="0" actId="47"/>
-        <pc:sldMkLst>
-          <pc:docMk/>
-          <pc:sldMk cId="0" sldId="363"/>
-        </pc:sldMkLst>
-      </pc:sldChg>
-      <pc:sldChg chg="modSp new mod">
-        <pc:chgData name="snade jack" userId="ba5019ad82b64393" providerId="LiveId" clId="{D37EFB75-4A62-4DB1-AB08-E59D2A5EE3D2}" dt="2022-04-15T15:48:32.295" v="289"/>
-        <pc:sldMkLst>
-          <pc:docMk/>
-          <pc:sldMk cId="1940877564" sldId="363"/>
-        </pc:sldMkLst>
-        <pc:spChg chg="mod">
-          <ac:chgData name="snade jack" userId="ba5019ad82b64393" providerId="LiveId" clId="{D37EFB75-4A62-4DB1-AB08-E59D2A5EE3D2}" dt="2022-04-15T15:46:47.748" v="110"/>
-          <ac:spMkLst>
-            <pc:docMk/>
-            <pc:sldMk cId="1940877564" sldId="363"/>
-            <ac:spMk id="2" creationId="{8CEB0F40-7832-412B-936A-12E56074793A}"/>
-          </ac:spMkLst>
-        </pc:spChg>
-        <pc:spChg chg="mod">
-          <ac:chgData name="snade jack" userId="ba5019ad82b64393" providerId="LiveId" clId="{D37EFB75-4A62-4DB1-AB08-E59D2A5EE3D2}" dt="2022-04-15T15:48:32.295" v="289"/>
-          <ac:spMkLst>
-            <pc:docMk/>
-            <pc:sldMk cId="1940877564" sldId="363"/>
-            <ac:spMk id="3" creationId="{A5208E3D-23C5-40EA-BB0C-9D55E16C8BD3}"/>
-          </ac:spMkLst>
-        </pc:spChg>
-      </pc:sldChg>
-      <pc:sldChg chg="modSp new mod">
-        <pc:chgData name="snade jack" userId="ba5019ad82b64393" providerId="LiveId" clId="{D37EFB75-4A62-4DB1-AB08-E59D2A5EE3D2}" dt="2022-04-15T15:50:17.684" v="421"/>
-        <pc:sldMkLst>
-          <pc:docMk/>
-          <pc:sldMk cId="3492657629" sldId="364"/>
-        </pc:sldMkLst>
-        <pc:spChg chg="mod">
-          <ac:chgData name="snade jack" userId="ba5019ad82b64393" providerId="LiveId" clId="{D37EFB75-4A62-4DB1-AB08-E59D2A5EE3D2}" dt="2022-04-15T15:48:46.392" v="294"/>
-          <ac:spMkLst>
-            <pc:docMk/>
-            <pc:sldMk cId="3492657629" sldId="364"/>
-            <ac:spMk id="2" creationId="{9AF682E2-4D54-4B39-A886-4B9732A26814}"/>
-          </ac:spMkLst>
-        </pc:spChg>
-        <pc:spChg chg="mod">
-          <ac:chgData name="snade jack" userId="ba5019ad82b64393" providerId="LiveId" clId="{D37EFB75-4A62-4DB1-AB08-E59D2A5EE3D2}" dt="2022-04-15T15:50:17.684" v="421"/>
-          <ac:spMkLst>
-            <pc:docMk/>
-            <pc:sldMk cId="3492657629" sldId="364"/>
-            <ac:spMk id="3" creationId="{DF413D79-2B8E-4D85-9992-667723369BA5}"/>
-          </ac:spMkLst>
-        </pc:spChg>
-      </pc:sldChg>
-      <pc:sldChg chg="del">
-        <pc:chgData name="snade jack" userId="ba5019ad82b64393" providerId="LiveId" clId="{D37EFB75-4A62-4DB1-AB08-E59D2A5EE3D2}" dt="2022-04-15T15:43:20.556" v="0" actId="47"/>
-        <pc:sldMkLst>
-          <pc:docMk/>
-          <pc:sldMk cId="0" sldId="365"/>
-        </pc:sldMkLst>
-      </pc:sldChg>
-      <pc:sldChg chg="del">
-        <pc:chgData name="snade jack" userId="ba5019ad82b64393" providerId="LiveId" clId="{D37EFB75-4A62-4DB1-AB08-E59D2A5EE3D2}" dt="2022-04-15T15:43:20.556" v="0" actId="47"/>
-        <pc:sldMkLst>
-          <pc:docMk/>
-          <pc:sldMk cId="0" sldId="366"/>
-        </pc:sldMkLst>
-      </pc:sldChg>
-      <pc:sldChg chg="del">
-        <pc:chgData name="snade jack" userId="ba5019ad82b64393" providerId="LiveId" clId="{D37EFB75-4A62-4DB1-AB08-E59D2A5EE3D2}" dt="2022-04-15T15:43:20.556" v="0" actId="47"/>
-        <pc:sldMkLst>
-          <pc:docMk/>
-          <pc:sldMk cId="0" sldId="367"/>
-        </pc:sldMkLst>
-      </pc:sldChg>
-      <pc:sldChg chg="del">
-        <pc:chgData name="snade jack" userId="ba5019ad82b64393" providerId="LiveId" clId="{D37EFB75-4A62-4DB1-AB08-E59D2A5EE3D2}" dt="2022-04-15T15:43:20.556" v="0" actId="47"/>
-        <pc:sldMkLst>
-          <pc:docMk/>
-          <pc:sldMk cId="0" sldId="368"/>
-        </pc:sldMkLst>
-      </pc:sldChg>
-      <pc:sldChg chg="del">
-        <pc:chgData name="snade jack" userId="ba5019ad82b64393" providerId="LiveId" clId="{D37EFB75-4A62-4DB1-AB08-E59D2A5EE3D2}" dt="2022-04-15T15:43:20.556" v="0" actId="47"/>
-        <pc:sldMkLst>
-          <pc:docMk/>
-          <pc:sldMk cId="0" sldId="369"/>
-        </pc:sldMkLst>
-      </pc:sldChg>
-      <pc:sldChg chg="del">
-        <pc:chgData name="snade jack" userId="ba5019ad82b64393" providerId="LiveId" clId="{D37EFB75-4A62-4DB1-AB08-E59D2A5EE3D2}" dt="2022-04-15T15:43:20.556" v="0" actId="47"/>
-        <pc:sldMkLst>
-          <pc:docMk/>
-          <pc:sldMk cId="0" sldId="370"/>
-        </pc:sldMkLst>
-      </pc:sldChg>
-      <pc:sldChg chg="del">
-        <pc:chgData name="snade jack" userId="ba5019ad82b64393" providerId="LiveId" clId="{D37EFB75-4A62-4DB1-AB08-E59D2A5EE3D2}" dt="2022-04-15T15:43:20.556" v="0" actId="47"/>
-        <pc:sldMkLst>
-          <pc:docMk/>
-          <pc:sldMk cId="0" sldId="371"/>
-        </pc:sldMkLst>
-      </pc:sldChg>
-      <pc:sldChg chg="del">
-        <pc:chgData name="snade jack" userId="ba5019ad82b64393" providerId="LiveId" clId="{D37EFB75-4A62-4DB1-AB08-E59D2A5EE3D2}" dt="2022-04-15T15:43:20.556" v="0" actId="47"/>
-        <pc:sldMkLst>
-          <pc:docMk/>
-          <pc:sldMk cId="0" sldId="372"/>
-        </pc:sldMkLst>
-      </pc:sldChg>
-      <pc:sldChg chg="del">
-        <pc:chgData name="snade jack" userId="ba5019ad82b64393" providerId="LiveId" clId="{D37EFB75-4A62-4DB1-AB08-E59D2A5EE3D2}" dt="2022-04-15T15:43:20.556" v="0" actId="47"/>
-        <pc:sldMkLst>
-          <pc:docMk/>
-          <pc:sldMk cId="0" sldId="373"/>
-        </pc:sldMkLst>
-      </pc:sldChg>
-      <pc:sldChg chg="del">
-        <pc:chgData name="snade jack" userId="ba5019ad82b64393" providerId="LiveId" clId="{D37EFB75-4A62-4DB1-AB08-E59D2A5EE3D2}" dt="2022-04-15T15:43:20.556" v="0" actId="47"/>
-        <pc:sldMkLst>
-          <pc:docMk/>
-          <pc:sldMk cId="0" sldId="374"/>
-        </pc:sldMkLst>
-      </pc:sldChg>
-      <pc:sldChg chg="del">
-        <pc:chgData name="snade jack" userId="ba5019ad82b64393" providerId="LiveId" clId="{D37EFB75-4A62-4DB1-AB08-E59D2A5EE3D2}" dt="2022-04-15T15:43:20.556" v="0" actId="47"/>
-        <pc:sldMkLst>
-          <pc:docMk/>
-          <pc:sldMk cId="0" sldId="375"/>
-        </pc:sldMkLst>
-      </pc:sldChg>
-      <pc:sldChg chg="del">
-        <pc:chgData name="snade jack" userId="ba5019ad82b64393" providerId="LiveId" clId="{D37EFB75-4A62-4DB1-AB08-E59D2A5EE3D2}" dt="2022-04-15T15:43:20.556" v="0" actId="47"/>
-        <pc:sldMkLst>
-          <pc:docMk/>
-          <pc:sldMk cId="0" sldId="376"/>
-        </pc:sldMkLst>
-      </pc:sldChg>
-      <pc:sldChg chg="del">
-        <pc:chgData name="snade jack" userId="ba5019ad82b64393" providerId="LiveId" clId="{D37EFB75-4A62-4DB1-AB08-E59D2A5EE3D2}" dt="2022-04-15T15:43:20.556" v="0" actId="47"/>
-        <pc:sldMkLst>
-          <pc:docMk/>
-          <pc:sldMk cId="0" sldId="377"/>
-        </pc:sldMkLst>
-      </pc:sldChg>
-      <pc:sldChg chg="del">
-        <pc:chgData name="snade jack" userId="ba5019ad82b64393" providerId="LiveId" clId="{D37EFB75-4A62-4DB1-AB08-E59D2A5EE3D2}" dt="2022-04-15T15:43:20.556" v="0" actId="47"/>
-        <pc:sldMkLst>
-          <pc:docMk/>
-          <pc:sldMk cId="0" sldId="383"/>
-        </pc:sldMkLst>
-      </pc:sldChg>
-      <pc:sldChg chg="del">
-        <pc:chgData name="snade jack" userId="ba5019ad82b64393" providerId="LiveId" clId="{D37EFB75-4A62-4DB1-AB08-E59D2A5EE3D2}" dt="2022-04-15T15:43:20.556" v="0" actId="47"/>
-        <pc:sldMkLst>
-          <pc:docMk/>
-          <pc:sldMk cId="0" sldId="384"/>
-        </pc:sldMkLst>
-      </pc:sldChg>
-      <pc:sldMasterChg chg="del delSldLayout">
-        <pc:chgData name="snade jack" userId="ba5019ad82b64393" providerId="LiveId" clId="{D37EFB75-4A62-4DB1-AB08-E59D2A5EE3D2}" dt="2022-04-15T15:43:20.556" v="0" actId="47"/>
-        <pc:sldMasterMkLst>
-          <pc:docMk/>
-          <pc:sldMasterMk cId="0" sldId="2147483660"/>
-        </pc:sldMasterMkLst>
-        <pc:sldLayoutChg chg="del">
-          <pc:chgData name="snade jack" userId="ba5019ad82b64393" providerId="LiveId" clId="{D37EFB75-4A62-4DB1-AB08-E59D2A5EE3D2}" dt="2022-04-15T15:43:20.556" v="0" actId="47"/>
-          <pc:sldLayoutMkLst>
-            <pc:docMk/>
-            <pc:sldMasterMk cId="0" sldId="2147483660"/>
-            <pc:sldLayoutMk cId="0" sldId="2147483661"/>
-          </pc:sldLayoutMkLst>
-        </pc:sldLayoutChg>
-        <pc:sldLayoutChg chg="del">
-          <pc:chgData name="snade jack" userId="ba5019ad82b64393" providerId="LiveId" clId="{D37EFB75-4A62-4DB1-AB08-E59D2A5EE3D2}" dt="2022-04-15T15:43:20.556" v="0" actId="47"/>
-          <pc:sldLayoutMkLst>
-            <pc:docMk/>
-            <pc:sldMasterMk cId="0" sldId="2147483660"/>
-            <pc:sldLayoutMk cId="0" sldId="2147483662"/>
-          </pc:sldLayoutMkLst>
-        </pc:sldLayoutChg>
-        <pc:sldLayoutChg chg="del">
-          <pc:chgData name="snade jack" userId="ba5019ad82b64393" providerId="LiveId" clId="{D37EFB75-4A62-4DB1-AB08-E59D2A5EE3D2}" dt="2022-04-15T15:43:20.556" v="0" actId="47"/>
-          <pc:sldLayoutMkLst>
-            <pc:docMk/>
-            <pc:sldMasterMk cId="0" sldId="2147483660"/>
-            <pc:sldLayoutMk cId="0" sldId="2147483663"/>
-          </pc:sldLayoutMkLst>
-        </pc:sldLayoutChg>
-        <pc:sldLayoutChg chg="del">
-          <pc:chgData name="snade jack" userId="ba5019ad82b64393" providerId="LiveId" clId="{D37EFB75-4A62-4DB1-AB08-E59D2A5EE3D2}" dt="2022-04-15T15:43:20.556" v="0" actId="47"/>
-          <pc:sldLayoutMkLst>
-            <pc:docMk/>
-            <pc:sldMasterMk cId="0" sldId="2147483660"/>
-            <pc:sldLayoutMk cId="0" sldId="2147483664"/>
-          </pc:sldLayoutMkLst>
-        </pc:sldLayoutChg>
-        <pc:sldLayoutChg chg="del">
-          <pc:chgData name="snade jack" userId="ba5019ad82b64393" providerId="LiveId" clId="{D37EFB75-4A62-4DB1-AB08-E59D2A5EE3D2}" dt="2022-04-15T15:43:20.556" v="0" actId="47"/>
-          <pc:sldLayoutMkLst>
-            <pc:docMk/>
-            <pc:sldMasterMk cId="0" sldId="2147483660"/>
-            <pc:sldLayoutMk cId="0" sldId="2147483665"/>
-          </pc:sldLayoutMkLst>
-        </pc:sldLayoutChg>
-        <pc:sldLayoutChg chg="del">
-          <pc:chgData name="snade jack" userId="ba5019ad82b64393" providerId="LiveId" clId="{D37EFB75-4A62-4DB1-AB08-E59D2A5EE3D2}" dt="2022-04-15T15:43:20.556" v="0" actId="47"/>
-          <pc:sldLayoutMkLst>
-            <pc:docMk/>
-            <pc:sldMasterMk cId="0" sldId="2147483660"/>
-            <pc:sldLayoutMk cId="0" sldId="2147483666"/>
-          </pc:sldLayoutMkLst>
-        </pc:sldLayoutChg>
-        <pc:sldLayoutChg chg="del">
-          <pc:chgData name="snade jack" userId="ba5019ad82b64393" providerId="LiveId" clId="{D37EFB75-4A62-4DB1-AB08-E59D2A5EE3D2}" dt="2022-04-15T15:43:20.556" v="0" actId="47"/>
-          <pc:sldLayoutMkLst>
-            <pc:docMk/>
-            <pc:sldMasterMk cId="0" sldId="2147483660"/>
-            <pc:sldLayoutMk cId="0" sldId="2147483667"/>
-          </pc:sldLayoutMkLst>
-        </pc:sldLayoutChg>
-        <pc:sldLayoutChg chg="del">
-          <pc:chgData name="snade jack" userId="ba5019ad82b64393" providerId="LiveId" clId="{D37EFB75-4A62-4DB1-AB08-E59D2A5EE3D2}" dt="2022-04-15T15:43:20.556" v="0" actId="47"/>
-          <pc:sldLayoutMkLst>
-            <pc:docMk/>
-            <pc:sldMasterMk cId="0" sldId="2147483660"/>
-            <pc:sldLayoutMk cId="0" sldId="2147483668"/>
-          </pc:sldLayoutMkLst>
-        </pc:sldLayoutChg>
-        <pc:sldLayoutChg chg="del">
-          <pc:chgData name="snade jack" userId="ba5019ad82b64393" providerId="LiveId" clId="{D37EFB75-4A62-4DB1-AB08-E59D2A5EE3D2}" dt="2022-04-15T15:43:20.556" v="0" actId="47"/>
-          <pc:sldLayoutMkLst>
-            <pc:docMk/>
-            <pc:sldMasterMk cId="0" sldId="2147483660"/>
-            <pc:sldLayoutMk cId="0" sldId="2147483669"/>
-          </pc:sldLayoutMkLst>
-        </pc:sldLayoutChg>
-        <pc:sldLayoutChg chg="del">
-          <pc:chgData name="snade jack" userId="ba5019ad82b64393" providerId="LiveId" clId="{D37EFB75-4A62-4DB1-AB08-E59D2A5EE3D2}" dt="2022-04-15T15:43:20.556" v="0" actId="47"/>
-          <pc:sldLayoutMkLst>
-            <pc:docMk/>
-            <pc:sldMasterMk cId="0" sldId="2147483660"/>
-            <pc:sldLayoutMk cId="0" sldId="2147483670"/>
-          </pc:sldLayoutMkLst>
-        </pc:sldLayoutChg>
-        <pc:sldLayoutChg chg="del">
-          <pc:chgData name="snade jack" userId="ba5019ad82b64393" providerId="LiveId" clId="{D37EFB75-4A62-4DB1-AB08-E59D2A5EE3D2}" dt="2022-04-15T15:43:20.556" v="0" actId="47"/>
-          <pc:sldLayoutMkLst>
-            <pc:docMk/>
-            <pc:sldMasterMk cId="0" sldId="2147483660"/>
-            <pc:sldLayoutMk cId="0" sldId="2147483671"/>
-          </pc:sldLayoutMkLst>
-        </pc:sldLayoutChg>
-      </pc:sldMasterChg>
-    </pc:docChg>
-  </pc:docChgLst>
-</pc:chgInfo>
 </file>
 
 <file path=ppt/notesMasters/notesMaster1.xml><?xml version="1.0" encoding="utf-8"?>
@@ -529,7 +196,6 @@
           <a:p>
             <a:fld id="{7B4F2CEB-5DF7-4808-8224-1EF646B93121}" type="datetimeFigureOut">
               <a:rPr lang="zh-CN" altLang="en-US" smtClean="0"/>
-              <a:t>2022/4/15</a:t>
             </a:fld>
             <a:endParaRPr lang="zh-CN" altLang="en-US"/>
           </a:p>
@@ -596,6 +262,7 @@
               <a:rPr lang="zh-CN" altLang="en-US"/>
               <a:t>单击此处编辑母版文本样式</a:t>
             </a:r>
+            <a:endParaRPr lang="zh-CN" altLang="en-US"/>
           </a:p>
           <a:p>
             <a:pPr lvl="1"/>
@@ -603,6 +270,7 @@
               <a:rPr lang="zh-CN" altLang="en-US"/>
               <a:t>二级</a:t>
             </a:r>
+            <a:endParaRPr lang="zh-CN" altLang="en-US"/>
           </a:p>
           <a:p>
             <a:pPr lvl="2"/>
@@ -610,6 +278,7 @@
               <a:rPr lang="zh-CN" altLang="en-US"/>
               <a:t>三级</a:t>
             </a:r>
+            <a:endParaRPr lang="zh-CN" altLang="en-US"/>
           </a:p>
           <a:p>
             <a:pPr lvl="3"/>
@@ -617,6 +286,7 @@
               <a:rPr lang="zh-CN" altLang="en-US"/>
               <a:t>四级</a:t>
             </a:r>
+            <a:endParaRPr lang="zh-CN" altLang="en-US"/>
           </a:p>
           <a:p>
             <a:pPr lvl="4"/>
@@ -624,6 +294,7 @@
               <a:rPr lang="zh-CN" altLang="en-US"/>
               <a:t>五级</a:t>
             </a:r>
+            <a:endParaRPr lang="zh-CN" altLang="en-US"/>
           </a:p>
         </p:txBody>
       </p:sp>
@@ -687,7 +358,6 @@
           <a:p>
             <a:fld id="{83AA1F61-0992-4120-A1E9-FA3A21BB776E}" type="slidenum">
               <a:rPr lang="zh-CN" altLang="en-US" smtClean="0"/>
-              <a:t>‹#›</a:t>
             </a:fld>
             <a:endParaRPr lang="zh-CN" altLang="en-US"/>
           </a:p>
@@ -836,6 +506,7 @@
               <a:rPr lang="zh-CN" altLang="en-US" dirty="0"/>
               <a:t>单击此处编辑母版标题样式</a:t>
             </a:r>
+            <a:endParaRPr lang="zh-CN" altLang="en-US" dirty="0"/>
           </a:p>
         </p:txBody>
       </p:sp>
@@ -900,6 +571,7 @@
               <a:rPr lang="zh-CN" altLang="en-US"/>
               <a:t>单击此处编辑母版副标题样式</a:t>
             </a:r>
+            <a:endParaRPr lang="zh-CN" altLang="en-US"/>
           </a:p>
         </p:txBody>
       </p:sp>
@@ -920,7 +592,6 @@
           <a:p>
             <a:fld id="{A9482DDB-C4B4-4602-831B-33D7CA22852C}" type="datetime1">
               <a:rPr lang="zh-CN" altLang="en-US" smtClean="0"/>
-              <a:t>2022/4/15</a:t>
             </a:fld>
             <a:endParaRPr lang="zh-CN" altLang="en-US"/>
           </a:p>
@@ -969,7 +640,6 @@
           <a:p>
             <a:fld id="{519AEA81-C1FD-4B2C-87D1-3FA637539CC6}" type="slidenum">
               <a:rPr lang="zh-CN" altLang="en-US" smtClean="0"/>
-              <a:t>‹#›</a:t>
             </a:fld>
             <a:endParaRPr lang="zh-CN" altLang="en-US" dirty="0"/>
           </a:p>
@@ -1019,6 +689,7 @@
               <a:rPr lang="zh-CN" altLang="en-US"/>
               <a:t>单击此处编辑母版标题样式</a:t>
             </a:r>
+            <a:endParaRPr lang="zh-CN" altLang="en-US"/>
           </a:p>
         </p:txBody>
       </p:sp>
@@ -1042,6 +713,7 @@
               <a:rPr lang="zh-CN" altLang="en-US"/>
               <a:t>单击此处编辑母版文本样式</a:t>
             </a:r>
+            <a:endParaRPr lang="zh-CN" altLang="en-US"/>
           </a:p>
           <a:p>
             <a:pPr lvl="1"/>
@@ -1049,6 +721,7 @@
               <a:rPr lang="zh-CN" altLang="en-US"/>
               <a:t>二级</a:t>
             </a:r>
+            <a:endParaRPr lang="zh-CN" altLang="en-US"/>
           </a:p>
           <a:p>
             <a:pPr lvl="2"/>
@@ -1056,6 +729,7 @@
               <a:rPr lang="zh-CN" altLang="en-US"/>
               <a:t>三级</a:t>
             </a:r>
+            <a:endParaRPr lang="zh-CN" altLang="en-US"/>
           </a:p>
           <a:p>
             <a:pPr lvl="3"/>
@@ -1063,6 +737,7 @@
               <a:rPr lang="zh-CN" altLang="en-US"/>
               <a:t>四级</a:t>
             </a:r>
+            <a:endParaRPr lang="zh-CN" altLang="en-US"/>
           </a:p>
           <a:p>
             <a:pPr lvl="4"/>
@@ -1070,6 +745,7 @@
               <a:rPr lang="zh-CN" altLang="en-US"/>
               <a:t>五级</a:t>
             </a:r>
+            <a:endParaRPr lang="zh-CN" altLang="en-US"/>
           </a:p>
         </p:txBody>
       </p:sp>
@@ -1090,7 +766,6 @@
           <a:p>
             <a:fld id="{E9B53CE2-FC60-405A-858E-53FC0D5D5173}" type="datetime1">
               <a:rPr lang="zh-CN" altLang="en-US" smtClean="0"/>
-              <a:t>2022/4/15</a:t>
             </a:fld>
             <a:endParaRPr lang="zh-CN" altLang="en-US"/>
           </a:p>
@@ -1132,7 +807,6 @@
           <a:p>
             <a:fld id="{519AEA81-C1FD-4B2C-87D1-3FA637539CC6}" type="slidenum">
               <a:rPr lang="zh-CN" altLang="en-US" smtClean="0"/>
-              <a:t>‹#›</a:t>
             </a:fld>
             <a:endParaRPr lang="zh-CN" altLang="en-US"/>
           </a:p>
@@ -1187,6 +861,7 @@
               <a:rPr lang="zh-CN" altLang="en-US"/>
               <a:t>单击此处编辑母版标题样式</a:t>
             </a:r>
+            <a:endParaRPr lang="zh-CN" altLang="en-US"/>
           </a:p>
         </p:txBody>
       </p:sp>
@@ -1215,6 +890,7 @@
               <a:rPr lang="zh-CN" altLang="en-US"/>
               <a:t>单击此处编辑母版文本样式</a:t>
             </a:r>
+            <a:endParaRPr lang="zh-CN" altLang="en-US"/>
           </a:p>
           <a:p>
             <a:pPr lvl="1"/>
@@ -1222,6 +898,7 @@
               <a:rPr lang="zh-CN" altLang="en-US"/>
               <a:t>二级</a:t>
             </a:r>
+            <a:endParaRPr lang="zh-CN" altLang="en-US"/>
           </a:p>
           <a:p>
             <a:pPr lvl="2"/>
@@ -1229,6 +906,7 @@
               <a:rPr lang="zh-CN" altLang="en-US"/>
               <a:t>三级</a:t>
             </a:r>
+            <a:endParaRPr lang="zh-CN" altLang="en-US"/>
           </a:p>
           <a:p>
             <a:pPr lvl="3"/>
@@ -1236,6 +914,7 @@
               <a:rPr lang="zh-CN" altLang="en-US"/>
               <a:t>四级</a:t>
             </a:r>
+            <a:endParaRPr lang="zh-CN" altLang="en-US"/>
           </a:p>
           <a:p>
             <a:pPr lvl="4"/>
@@ -1243,6 +922,7 @@
               <a:rPr lang="zh-CN" altLang="en-US"/>
               <a:t>五级</a:t>
             </a:r>
+            <a:endParaRPr lang="zh-CN" altLang="en-US"/>
           </a:p>
         </p:txBody>
       </p:sp>
@@ -1263,7 +943,6 @@
           <a:p>
             <a:fld id="{2C0097D1-6629-49F3-8447-AFCF4DA4A258}" type="datetime1">
               <a:rPr lang="zh-CN" altLang="en-US" smtClean="0"/>
-              <a:t>2022/4/15</a:t>
             </a:fld>
             <a:endParaRPr lang="zh-CN" altLang="en-US"/>
           </a:p>
@@ -1305,7 +984,6 @@
           <a:p>
             <a:fld id="{519AEA81-C1FD-4B2C-87D1-3FA637539CC6}" type="slidenum">
               <a:rPr lang="zh-CN" altLang="en-US" smtClean="0"/>
-              <a:t>‹#›</a:t>
             </a:fld>
             <a:endParaRPr lang="zh-CN" altLang="en-US"/>
           </a:p>
@@ -1355,6 +1033,7 @@
               <a:rPr lang="zh-CN" altLang="en-US"/>
               <a:t>单击此处编辑母版标题样式</a:t>
             </a:r>
+            <a:endParaRPr lang="zh-CN" altLang="en-US"/>
           </a:p>
         </p:txBody>
       </p:sp>
@@ -1378,6 +1057,7 @@
               <a:rPr lang="zh-CN" altLang="en-US"/>
               <a:t>单击此处编辑母版文本样式</a:t>
             </a:r>
+            <a:endParaRPr lang="zh-CN" altLang="en-US"/>
           </a:p>
           <a:p>
             <a:pPr lvl="1"/>
@@ -1385,6 +1065,7 @@
               <a:rPr lang="zh-CN" altLang="en-US"/>
               <a:t>二级</a:t>
             </a:r>
+            <a:endParaRPr lang="zh-CN" altLang="en-US"/>
           </a:p>
           <a:p>
             <a:pPr lvl="2"/>
@@ -1392,6 +1073,7 @@
               <a:rPr lang="zh-CN" altLang="en-US"/>
               <a:t>三级</a:t>
             </a:r>
+            <a:endParaRPr lang="zh-CN" altLang="en-US"/>
           </a:p>
           <a:p>
             <a:pPr lvl="3"/>
@@ -1399,6 +1081,7 @@
               <a:rPr lang="zh-CN" altLang="en-US"/>
               <a:t>四级</a:t>
             </a:r>
+            <a:endParaRPr lang="zh-CN" altLang="en-US"/>
           </a:p>
           <a:p>
             <a:pPr lvl="4"/>
@@ -1406,6 +1089,7 @@
               <a:rPr lang="zh-CN" altLang="en-US"/>
               <a:t>五级</a:t>
             </a:r>
+            <a:endParaRPr lang="zh-CN" altLang="en-US"/>
           </a:p>
         </p:txBody>
       </p:sp>
@@ -1426,7 +1110,6 @@
           <a:p>
             <a:fld id="{91C93C8A-D80A-4DE1-A999-215FD607DBE3}" type="datetime1">
               <a:rPr lang="zh-CN" altLang="en-US" smtClean="0"/>
-              <a:t>2022/4/15</a:t>
             </a:fld>
             <a:endParaRPr lang="zh-CN" altLang="en-US"/>
           </a:p>
@@ -1468,7 +1151,6 @@
           <a:p>
             <a:fld id="{519AEA81-C1FD-4B2C-87D1-3FA637539CC6}" type="slidenum">
               <a:rPr lang="zh-CN" altLang="en-US" smtClean="0"/>
-              <a:t>‹#›</a:t>
             </a:fld>
             <a:endParaRPr lang="zh-CN" altLang="en-US" dirty="0"/>
           </a:p>
@@ -1530,6 +1212,7 @@
               <a:rPr lang="zh-CN" altLang="en-US" dirty="0"/>
               <a:t>单击此处编辑母版标题样式</a:t>
             </a:r>
+            <a:endParaRPr lang="zh-CN" altLang="en-US" dirty="0"/>
           </a:p>
         </p:txBody>
       </p:sp>
@@ -1649,6 +1332,7 @@
               <a:rPr lang="zh-CN" altLang="en-US" dirty="0"/>
               <a:t>单击此处编辑母版文本样式</a:t>
             </a:r>
+            <a:endParaRPr lang="zh-CN" altLang="en-US" dirty="0"/>
           </a:p>
         </p:txBody>
       </p:sp>
@@ -1669,7 +1353,6 @@
           <a:p>
             <a:fld id="{1B426F48-097D-4E21-B763-D29753566D82}" type="datetime1">
               <a:rPr lang="zh-CN" altLang="en-US" smtClean="0"/>
-              <a:t>2022/4/15</a:t>
             </a:fld>
             <a:endParaRPr lang="zh-CN" altLang="en-US"/>
           </a:p>
@@ -1711,7 +1394,6 @@
           <a:p>
             <a:fld id="{519AEA81-C1FD-4B2C-87D1-3FA637539CC6}" type="slidenum">
               <a:rPr lang="zh-CN" altLang="en-US" smtClean="0"/>
-              <a:t>‹#›</a:t>
             </a:fld>
             <a:endParaRPr lang="zh-CN" altLang="en-US"/>
           </a:p>
@@ -1761,6 +1443,7 @@
               <a:rPr lang="zh-CN" altLang="en-US"/>
               <a:t>单击此处编辑母版标题样式</a:t>
             </a:r>
+            <a:endParaRPr lang="zh-CN" altLang="en-US"/>
           </a:p>
         </p:txBody>
       </p:sp>
@@ -1789,6 +1472,7 @@
               <a:rPr lang="zh-CN" altLang="en-US"/>
               <a:t>单击此处编辑母版文本样式</a:t>
             </a:r>
+            <a:endParaRPr lang="zh-CN" altLang="en-US"/>
           </a:p>
           <a:p>
             <a:pPr lvl="1"/>
@@ -1796,6 +1480,7 @@
               <a:rPr lang="zh-CN" altLang="en-US"/>
               <a:t>二级</a:t>
             </a:r>
+            <a:endParaRPr lang="zh-CN" altLang="en-US"/>
           </a:p>
           <a:p>
             <a:pPr lvl="2"/>
@@ -1803,6 +1488,7 @@
               <a:rPr lang="zh-CN" altLang="en-US"/>
               <a:t>三级</a:t>
             </a:r>
+            <a:endParaRPr lang="zh-CN" altLang="en-US"/>
           </a:p>
           <a:p>
             <a:pPr lvl="3"/>
@@ -1810,6 +1496,7 @@
               <a:rPr lang="zh-CN" altLang="en-US"/>
               <a:t>四级</a:t>
             </a:r>
+            <a:endParaRPr lang="zh-CN" altLang="en-US"/>
           </a:p>
           <a:p>
             <a:pPr lvl="4"/>
@@ -1817,6 +1504,7 @@
               <a:rPr lang="zh-CN" altLang="en-US"/>
               <a:t>五级</a:t>
             </a:r>
+            <a:endParaRPr lang="zh-CN" altLang="en-US"/>
           </a:p>
         </p:txBody>
       </p:sp>
@@ -1845,6 +1533,7 @@
               <a:rPr lang="zh-CN" altLang="en-US"/>
               <a:t>单击此处编辑母版文本样式</a:t>
             </a:r>
+            <a:endParaRPr lang="zh-CN" altLang="en-US"/>
           </a:p>
           <a:p>
             <a:pPr lvl="1"/>
@@ -1852,6 +1541,7 @@
               <a:rPr lang="zh-CN" altLang="en-US"/>
               <a:t>二级</a:t>
             </a:r>
+            <a:endParaRPr lang="zh-CN" altLang="en-US"/>
           </a:p>
           <a:p>
             <a:pPr lvl="2"/>
@@ -1859,6 +1549,7 @@
               <a:rPr lang="zh-CN" altLang="en-US"/>
               <a:t>三级</a:t>
             </a:r>
+            <a:endParaRPr lang="zh-CN" altLang="en-US"/>
           </a:p>
           <a:p>
             <a:pPr lvl="3"/>
@@ -1866,6 +1557,7 @@
               <a:rPr lang="zh-CN" altLang="en-US"/>
               <a:t>四级</a:t>
             </a:r>
+            <a:endParaRPr lang="zh-CN" altLang="en-US"/>
           </a:p>
           <a:p>
             <a:pPr lvl="4"/>
@@ -1873,6 +1565,7 @@
               <a:rPr lang="zh-CN" altLang="en-US"/>
               <a:t>五级</a:t>
             </a:r>
+            <a:endParaRPr lang="zh-CN" altLang="en-US"/>
           </a:p>
         </p:txBody>
       </p:sp>
@@ -1893,7 +1586,6 @@
           <a:p>
             <a:fld id="{493A7B37-EF3E-4286-9A7A-8A71F864A976}" type="datetime1">
               <a:rPr lang="zh-CN" altLang="en-US" smtClean="0"/>
-              <a:t>2022/4/15</a:t>
             </a:fld>
             <a:endParaRPr lang="zh-CN" altLang="en-US"/>
           </a:p>
@@ -1935,7 +1627,6 @@
           <a:p>
             <a:fld id="{519AEA81-C1FD-4B2C-87D1-3FA637539CC6}" type="slidenum">
               <a:rPr lang="zh-CN" altLang="en-US" smtClean="0"/>
-              <a:t>‹#›</a:t>
             </a:fld>
             <a:endParaRPr lang="zh-CN" altLang="en-US"/>
           </a:p>
@@ -1990,6 +1681,7 @@
               <a:rPr lang="zh-CN" altLang="en-US"/>
               <a:t>单击此处编辑母版标题样式</a:t>
             </a:r>
+            <a:endParaRPr lang="zh-CN" altLang="en-US"/>
           </a:p>
         </p:txBody>
       </p:sp>
@@ -2055,6 +1747,7 @@
               <a:rPr lang="zh-CN" altLang="en-US"/>
               <a:t>单击此处编辑母版文本样式</a:t>
             </a:r>
+            <a:endParaRPr lang="zh-CN" altLang="en-US"/>
           </a:p>
         </p:txBody>
       </p:sp>
@@ -2083,6 +1776,7 @@
               <a:rPr lang="zh-CN" altLang="en-US"/>
               <a:t>单击此处编辑母版文本样式</a:t>
             </a:r>
+            <a:endParaRPr lang="zh-CN" altLang="en-US"/>
           </a:p>
           <a:p>
             <a:pPr lvl="1"/>
@@ -2090,6 +1784,7 @@
               <a:rPr lang="zh-CN" altLang="en-US"/>
               <a:t>二级</a:t>
             </a:r>
+            <a:endParaRPr lang="zh-CN" altLang="en-US"/>
           </a:p>
           <a:p>
             <a:pPr lvl="2"/>
@@ -2097,6 +1792,7 @@
               <a:rPr lang="zh-CN" altLang="en-US"/>
               <a:t>三级</a:t>
             </a:r>
+            <a:endParaRPr lang="zh-CN" altLang="en-US"/>
           </a:p>
           <a:p>
             <a:pPr lvl="3"/>
@@ -2104,6 +1800,7 @@
               <a:rPr lang="zh-CN" altLang="en-US"/>
               <a:t>四级</a:t>
             </a:r>
+            <a:endParaRPr lang="zh-CN" altLang="en-US"/>
           </a:p>
           <a:p>
             <a:pPr lvl="4"/>
@@ -2111,6 +1808,7 @@
               <a:rPr lang="zh-CN" altLang="en-US"/>
               <a:t>五级</a:t>
             </a:r>
+            <a:endParaRPr lang="zh-CN" altLang="en-US"/>
           </a:p>
         </p:txBody>
       </p:sp>
@@ -2176,6 +1874,7 @@
               <a:rPr lang="zh-CN" altLang="en-US"/>
               <a:t>单击此处编辑母版文本样式</a:t>
             </a:r>
+            <a:endParaRPr lang="zh-CN" altLang="en-US"/>
           </a:p>
         </p:txBody>
       </p:sp>
@@ -2204,6 +1903,7 @@
               <a:rPr lang="zh-CN" altLang="en-US"/>
               <a:t>单击此处编辑母版文本样式</a:t>
             </a:r>
+            <a:endParaRPr lang="zh-CN" altLang="en-US"/>
           </a:p>
           <a:p>
             <a:pPr lvl="1"/>
@@ -2211,6 +1911,7 @@
               <a:rPr lang="zh-CN" altLang="en-US"/>
               <a:t>二级</a:t>
             </a:r>
+            <a:endParaRPr lang="zh-CN" altLang="en-US"/>
           </a:p>
           <a:p>
             <a:pPr lvl="2"/>
@@ -2218,6 +1919,7 @@
               <a:rPr lang="zh-CN" altLang="en-US"/>
               <a:t>三级</a:t>
             </a:r>
+            <a:endParaRPr lang="zh-CN" altLang="en-US"/>
           </a:p>
           <a:p>
             <a:pPr lvl="3"/>
@@ -2225,6 +1927,7 @@
               <a:rPr lang="zh-CN" altLang="en-US"/>
               <a:t>四级</a:t>
             </a:r>
+            <a:endParaRPr lang="zh-CN" altLang="en-US"/>
           </a:p>
           <a:p>
             <a:pPr lvl="4"/>
@@ -2232,6 +1935,7 @@
               <a:rPr lang="zh-CN" altLang="en-US"/>
               <a:t>五级</a:t>
             </a:r>
+            <a:endParaRPr lang="zh-CN" altLang="en-US"/>
           </a:p>
         </p:txBody>
       </p:sp>
@@ -2252,7 +1956,6 @@
           <a:p>
             <a:fld id="{EE865B14-2060-46DE-8771-7F348C538412}" type="datetime1">
               <a:rPr lang="zh-CN" altLang="en-US" smtClean="0"/>
-              <a:t>2022/4/15</a:t>
             </a:fld>
             <a:endParaRPr lang="zh-CN" altLang="en-US"/>
           </a:p>
@@ -2294,7 +1997,6 @@
           <a:p>
             <a:fld id="{519AEA81-C1FD-4B2C-87D1-3FA637539CC6}" type="slidenum">
               <a:rPr lang="zh-CN" altLang="en-US" smtClean="0"/>
-              <a:t>‹#›</a:t>
             </a:fld>
             <a:endParaRPr lang="zh-CN" altLang="en-US"/>
           </a:p>
@@ -2344,6 +2046,7 @@
               <a:rPr lang="zh-CN" altLang="en-US"/>
               <a:t>单击此处编辑母版标题样式</a:t>
             </a:r>
+            <a:endParaRPr lang="zh-CN" altLang="en-US"/>
           </a:p>
         </p:txBody>
       </p:sp>
@@ -2364,7 +2067,6 @@
           <a:p>
             <a:fld id="{85AF00BA-1A83-449D-8AEA-1E736981FE20}" type="datetime1">
               <a:rPr lang="zh-CN" altLang="en-US" smtClean="0"/>
-              <a:t>2022/4/15</a:t>
             </a:fld>
             <a:endParaRPr lang="zh-CN" altLang="en-US"/>
           </a:p>
@@ -2406,7 +2108,6 @@
           <a:p>
             <a:fld id="{519AEA81-C1FD-4B2C-87D1-3FA637539CC6}" type="slidenum">
               <a:rPr lang="zh-CN" altLang="en-US" smtClean="0"/>
-              <a:t>‹#›</a:t>
             </a:fld>
             <a:endParaRPr lang="zh-CN" altLang="en-US"/>
           </a:p>
@@ -2454,7 +2155,6 @@
           <a:p>
             <a:fld id="{65F816BB-10C1-4E24-9BB7-3D382288F272}" type="datetime1">
               <a:rPr lang="zh-CN" altLang="en-US" smtClean="0"/>
-              <a:t>2022/4/15</a:t>
             </a:fld>
             <a:endParaRPr lang="zh-CN" altLang="en-US"/>
           </a:p>
@@ -2496,7 +2196,6 @@
           <a:p>
             <a:fld id="{519AEA81-C1FD-4B2C-87D1-3FA637539CC6}" type="slidenum">
               <a:rPr lang="zh-CN" altLang="en-US" smtClean="0"/>
-              <a:t>‹#›</a:t>
             </a:fld>
             <a:endParaRPr lang="zh-CN" altLang="en-US"/>
           </a:p>
@@ -2555,6 +2254,7 @@
               <a:rPr lang="zh-CN" altLang="en-US"/>
               <a:t>单击此处编辑母版标题样式</a:t>
             </a:r>
+            <a:endParaRPr lang="zh-CN" altLang="en-US"/>
           </a:p>
         </p:txBody>
       </p:sp>
@@ -2611,6 +2311,7 @@
               <a:rPr lang="zh-CN" altLang="en-US"/>
               <a:t>单击此处编辑母版文本样式</a:t>
             </a:r>
+            <a:endParaRPr lang="zh-CN" altLang="en-US"/>
           </a:p>
           <a:p>
             <a:pPr lvl="1"/>
@@ -2618,6 +2319,7 @@
               <a:rPr lang="zh-CN" altLang="en-US"/>
               <a:t>二级</a:t>
             </a:r>
+            <a:endParaRPr lang="zh-CN" altLang="en-US"/>
           </a:p>
           <a:p>
             <a:pPr lvl="2"/>
@@ -2625,6 +2327,7 @@
               <a:rPr lang="zh-CN" altLang="en-US"/>
               <a:t>三级</a:t>
             </a:r>
+            <a:endParaRPr lang="zh-CN" altLang="en-US"/>
           </a:p>
           <a:p>
             <a:pPr lvl="3"/>
@@ -2632,6 +2335,7 @@
               <a:rPr lang="zh-CN" altLang="en-US"/>
               <a:t>四级</a:t>
             </a:r>
+            <a:endParaRPr lang="zh-CN" altLang="en-US"/>
           </a:p>
           <a:p>
             <a:pPr lvl="4"/>
@@ -2639,6 +2343,7 @@
               <a:rPr lang="zh-CN" altLang="en-US"/>
               <a:t>五级</a:t>
             </a:r>
+            <a:endParaRPr lang="zh-CN" altLang="en-US"/>
           </a:p>
         </p:txBody>
       </p:sp>
@@ -2704,6 +2409,7 @@
               <a:rPr lang="zh-CN" altLang="en-US"/>
               <a:t>单击此处编辑母版文本样式</a:t>
             </a:r>
+            <a:endParaRPr lang="zh-CN" altLang="en-US"/>
           </a:p>
         </p:txBody>
       </p:sp>
@@ -2724,7 +2430,6 @@
           <a:p>
             <a:fld id="{EDB3BA1B-C557-45E4-9C66-0434B6B2BC7D}" type="datetime1">
               <a:rPr lang="zh-CN" altLang="en-US" smtClean="0"/>
-              <a:t>2022/4/15</a:t>
             </a:fld>
             <a:endParaRPr lang="zh-CN" altLang="en-US"/>
           </a:p>
@@ -2766,7 +2471,6 @@
           <a:p>
             <a:fld id="{519AEA81-C1FD-4B2C-87D1-3FA637539CC6}" type="slidenum">
               <a:rPr lang="zh-CN" altLang="en-US" smtClean="0"/>
-              <a:t>‹#›</a:t>
             </a:fld>
             <a:endParaRPr lang="zh-CN" altLang="en-US"/>
           </a:p>
@@ -2825,6 +2529,7 @@
               <a:rPr lang="zh-CN" altLang="en-US"/>
               <a:t>单击此处编辑母版标题样式</a:t>
             </a:r>
+            <a:endParaRPr lang="zh-CN" altLang="en-US"/>
           </a:p>
         </p:txBody>
       </p:sp>
@@ -2951,6 +2656,7 @@
               <a:rPr lang="zh-CN" altLang="en-US"/>
               <a:t>单击此处编辑母版文本样式</a:t>
             </a:r>
+            <a:endParaRPr lang="zh-CN" altLang="en-US"/>
           </a:p>
         </p:txBody>
       </p:sp>
@@ -2971,7 +2677,6 @@
           <a:p>
             <a:fld id="{1940BD16-E0DE-4D56-BE59-0FECC58F0719}" type="datetime1">
               <a:rPr lang="zh-CN" altLang="en-US" smtClean="0"/>
-              <a:t>2022/4/15</a:t>
             </a:fld>
             <a:endParaRPr lang="zh-CN" altLang="en-US"/>
           </a:p>
@@ -3013,7 +2718,6 @@
           <a:p>
             <a:fld id="{519AEA81-C1FD-4B2C-87D1-3FA637539CC6}" type="slidenum">
               <a:rPr lang="zh-CN" altLang="en-US" smtClean="0"/>
-              <a:t>‹#›</a:t>
             </a:fld>
             <a:endParaRPr lang="zh-CN" altLang="en-US"/>
           </a:p>
@@ -3078,6 +2782,7 @@
               <a:rPr lang="zh-CN" altLang="en-US" dirty="0"/>
               <a:t>单击此处编辑母版标题样式</a:t>
             </a:r>
+            <a:endParaRPr lang="zh-CN" altLang="en-US" dirty="0"/>
           </a:p>
         </p:txBody>
       </p:sp>
@@ -3111,6 +2816,7 @@
               <a:rPr lang="zh-CN" altLang="en-US" dirty="0"/>
               <a:t>单击此处编辑母版文本样式</a:t>
             </a:r>
+            <a:endParaRPr lang="zh-CN" altLang="en-US" dirty="0"/>
           </a:p>
           <a:p>
             <a:pPr lvl="1"/>
@@ -3118,6 +2824,7 @@
               <a:rPr lang="zh-CN" altLang="en-US" dirty="0"/>
               <a:t>二级</a:t>
             </a:r>
+            <a:endParaRPr lang="zh-CN" altLang="en-US" dirty="0"/>
           </a:p>
           <a:p>
             <a:pPr lvl="2"/>
@@ -3125,6 +2832,7 @@
               <a:rPr lang="zh-CN" altLang="en-US" dirty="0"/>
               <a:t>三级</a:t>
             </a:r>
+            <a:endParaRPr lang="zh-CN" altLang="en-US" dirty="0"/>
           </a:p>
           <a:p>
             <a:pPr lvl="3"/>
@@ -3132,6 +2840,7 @@
               <a:rPr lang="zh-CN" altLang="en-US" dirty="0"/>
               <a:t>四级</a:t>
             </a:r>
+            <a:endParaRPr lang="zh-CN" altLang="en-US" dirty="0"/>
           </a:p>
           <a:p>
             <a:pPr lvl="4"/>
@@ -3139,6 +2848,7 @@
               <a:rPr lang="zh-CN" altLang="en-US" dirty="0"/>
               <a:t>五级</a:t>
             </a:r>
+            <a:endParaRPr lang="zh-CN" altLang="en-US" dirty="0"/>
           </a:p>
         </p:txBody>
       </p:sp>
@@ -3177,7 +2887,6 @@
           <a:p>
             <a:fld id="{A1C7E667-A427-4A7F-A6E1-89474718F88F}" type="datetime1">
               <a:rPr lang="zh-CN" altLang="en-US" smtClean="0"/>
-              <a:t>2022/4/15</a:t>
             </a:fld>
             <a:endParaRPr lang="zh-CN" altLang="en-US"/>
           </a:p>
@@ -3255,7 +2964,6 @@
           <a:p>
             <a:fld id="{519AEA81-C1FD-4B2C-87D1-3FA637539CC6}" type="slidenum">
               <a:rPr lang="zh-CN" altLang="en-US" smtClean="0"/>
-              <a:t>‹#›</a:t>
             </a:fld>
             <a:endParaRPr lang="zh-CN" altLang="en-US"/>
           </a:p>
@@ -3651,6 +3359,7 @@
               <a:rPr lang="zh-CN" altLang="en-US" dirty="0"/>
               <a:t>进度汇报</a:t>
             </a:r>
+            <a:endParaRPr lang="zh-CN" altLang="en-US" dirty="0"/>
           </a:p>
         </p:txBody>
       </p:sp>
@@ -3673,6 +3382,7 @@
               <a:rPr lang="zh-CN" altLang="en-US" dirty="0"/>
               <a:t>刘松铭 于子淳</a:t>
             </a:r>
+            <a:endParaRPr lang="zh-CN" altLang="en-US" dirty="0"/>
           </a:p>
         </p:txBody>
       </p:sp>
@@ -3693,7 +3403,6 @@
           <a:p>
             <a:fld id="{519AEA81-C1FD-4B2C-87D1-3FA637539CC6}" type="slidenum">
               <a:rPr lang="zh-CN" altLang="en-US" smtClean="0"/>
-              <a:t>1</a:t>
             </a:fld>
             <a:endParaRPr lang="zh-CN" altLang="en-US" dirty="0"/>
           </a:p>
@@ -3726,13 +3435,7 @@
       </p:grpSpPr>
       <p:sp>
         <p:nvSpPr>
-          <p:cNvPr id="2" name="标题 1">
-            <a:extLst>
-              <a:ext uri="{FF2B5EF4-FFF2-40B4-BE49-F238E27FC236}">
-                <a16:creationId xmlns:a16="http://schemas.microsoft.com/office/drawing/2014/main" id="{947E7097-6F68-40B8-880E-687FF5CF01A0}"/>
-              </a:ext>
-            </a:extLst>
-          </p:cNvPr>
+          <p:cNvPr id="2" name="标题 1"/>
           <p:cNvSpPr>
             <a:spLocks noGrp="1"/>
           </p:cNvSpPr>
@@ -3749,18 +3452,13 @@
               <a:rPr lang="zh-CN" altLang="en-US" dirty="0"/>
               <a:t>进度汇报</a:t>
             </a:r>
-          </a:p>
-        </p:txBody>
-      </p:sp>
-      <p:sp>
-        <p:nvSpPr>
-          <p:cNvPr id="3" name="内容占位符 2">
-            <a:extLst>
-              <a:ext uri="{FF2B5EF4-FFF2-40B4-BE49-F238E27FC236}">
-                <a16:creationId xmlns:a16="http://schemas.microsoft.com/office/drawing/2014/main" id="{C1B56FD8-724D-4A65-AF0A-3A73A6D6FEE9}"/>
-              </a:ext>
-            </a:extLst>
-          </p:cNvPr>
+            <a:endParaRPr lang="zh-CN" altLang="en-US" dirty="0"/>
+          </a:p>
+        </p:txBody>
+      </p:sp>
+      <p:sp>
+        <p:nvSpPr>
+          <p:cNvPr id="3" name="内容占位符 2"/>
           <p:cNvSpPr>
             <a:spLocks noGrp="1"/>
           </p:cNvSpPr>
@@ -3768,9 +3466,16 @@
             <p:ph idx="1"/>
           </p:nvPr>
         </p:nvSpPr>
-        <p:spPr/>
-        <p:txBody>
-          <a:bodyPr/>
+        <p:spPr>
+          <a:xfrm>
+            <a:off x="838200" y="1442720"/>
+            <a:ext cx="10515600" cy="5278120"/>
+          </a:xfrm>
+        </p:spPr>
+        <p:txBody>
+          <a:bodyPr>
+            <a:normAutofit/>
+          </a:bodyPr>
           <a:lstStyle/>
           <a:p>
             <a:r>
@@ -3944,6 +3649,7 @@
               <a:rPr lang="en-US" altLang="zh-CN" dirty="0"/>
               <a:t>hard codes</a:t>
             </a:r>
+            <a:endParaRPr lang="en-US" altLang="zh-CN" dirty="0"/>
           </a:p>
           <a:p>
             <a:pPr lvl="1"/>
@@ -3973,33 +3679,95 @@
             </a:r>
             <a:r>
               <a:rPr lang="zh-CN" altLang="en-US" dirty="0"/>
-              <a:t>报错</a:t>
-            </a:r>
-            <a:endParaRPr lang="en-US" altLang="zh-CN" dirty="0"/>
-          </a:p>
-          <a:p>
-            <a:pPr lvl="1"/>
-            <a:r>
-              <a:rPr lang="zh-CN" altLang="en-US" dirty="0"/>
-              <a:t>提交</a:t>
+              <a:t>报错，提交</a:t>
             </a:r>
             <a:r>
               <a:rPr lang="en-US" altLang="zh-CN" dirty="0"/>
               <a:t>PR</a:t>
             </a:r>
+            <a:r>
+              <a:rPr lang="zh-CN" altLang="en-US" dirty="0"/>
+              <a:t>到</a:t>
+            </a:r>
+            <a:r>
+              <a:rPr lang="en-US" altLang="zh-CN" dirty="0"/>
+              <a:t>zcore-tests</a:t>
+            </a:r>
+            <a:endParaRPr lang="en-US" altLang="zh-CN" dirty="0"/>
+          </a:p>
+          <a:p>
+            <a:pPr lvl="1"/>
+            <a:r>
+              <a:rPr lang="zh-CN" altLang="en-US" dirty="0">
+                <a:sym typeface="+mn-ea"/>
+              </a:rPr>
+              <a:t>修复抢占式调度器汇编，协助助教通过了</a:t>
+            </a:r>
+            <a:r>
+              <a:rPr lang="en-US" altLang="zh-CN" dirty="0">
+                <a:sym typeface="+mn-ea"/>
+              </a:rPr>
+              <a:t>update-zcore-lock</a:t>
+            </a:r>
+            <a:r>
+              <a:rPr lang="zh-CN" altLang="en-US" dirty="0">
+                <a:sym typeface="+mn-ea"/>
+              </a:rPr>
+              <a:t>分支的</a:t>
+            </a:r>
+            <a:r>
+              <a:rPr lang="en-US" altLang="zh-CN" dirty="0">
+                <a:sym typeface="+mn-ea"/>
+              </a:rPr>
+              <a:t>CI</a:t>
+            </a:r>
+            <a:r>
+              <a:rPr lang="zh-CN" altLang="en-US" dirty="0">
+                <a:sym typeface="+mn-ea"/>
+              </a:rPr>
+              <a:t>测试</a:t>
+            </a:r>
+            <a:endParaRPr lang="en-US" altLang="zh-CN" dirty="0"/>
+          </a:p>
+          <a:p>
+            <a:pPr lvl="1"/>
+            <a:r>
+              <a:rPr lang="zh-CN" altLang="en-US" dirty="0">
+                <a:sym typeface="+mn-ea"/>
+              </a:rPr>
+              <a:t>目前在</a:t>
+            </a:r>
+            <a:r>
+              <a:rPr lang="en-US" altLang="zh-CN" dirty="0">
+                <a:sym typeface="+mn-ea"/>
+              </a:rPr>
+              <a:t>virt</a:t>
+            </a:r>
+            <a:r>
+              <a:rPr lang="zh-CN" altLang="en-US" dirty="0">
+                <a:sym typeface="+mn-ea"/>
+              </a:rPr>
+              <a:t>模式下测试多核的启动（</a:t>
+            </a:r>
+            <a:r>
+              <a:rPr lang="en-US" altLang="zh-CN" dirty="0">
+                <a:sym typeface="+mn-ea"/>
+              </a:rPr>
+              <a:t>update-zcore-lock </a:t>
+            </a:r>
+            <a:r>
+              <a:rPr lang="zh-CN" altLang="en-US" dirty="0">
+                <a:sym typeface="+mn-ea"/>
+              </a:rPr>
+              <a:t>分支）</a:t>
+            </a:r>
             <a:endParaRPr lang="zh-CN" altLang="en-US" dirty="0"/>
           </a:p>
         </p:txBody>
       </p:sp>
       <p:sp>
         <p:nvSpPr>
-          <p:cNvPr id="4" name="灯片编号占位符 3">
-            <a:extLst>
-              <a:ext uri="{FF2B5EF4-FFF2-40B4-BE49-F238E27FC236}">
-                <a16:creationId xmlns:a16="http://schemas.microsoft.com/office/drawing/2014/main" id="{889EF8B1-4AD2-4DB4-AC8A-92F91239B8FD}"/>
-              </a:ext>
-            </a:extLst>
-          </p:cNvPr>
+          <p:cNvPr id="4" name="灯片编号占位符 3"/>
           <p:cNvSpPr>
             <a:spLocks noGrp="1"/>
           </p:cNvSpPr>
@@ -4014,18 +3782,12 @@
           <a:p>
             <a:fld id="{519AEA81-C1FD-4B2C-87D1-3FA637539CC6}" type="slidenum">
               <a:rPr lang="zh-CN" altLang="en-US" smtClean="0"/>
-              <a:t>2</a:t>
             </a:fld>
             <a:endParaRPr lang="zh-CN" altLang="en-US" dirty="0"/>
           </a:p>
         </p:txBody>
       </p:sp>
     </p:spTree>
-    <p:extLst>
-      <p:ext uri="{BB962C8B-B14F-4D97-AF65-F5344CB8AC3E}">
-        <p14:creationId xmlns:p14="http://schemas.microsoft.com/office/powerpoint/2010/main" val="510202531"/>
-      </p:ext>
-    </p:extLst>
   </p:cSld>
   <p:clrMapOvr>
     <a:masterClrMapping/>
@@ -4052,13 +3814,7 @@
       </p:grpSpPr>
       <p:sp>
         <p:nvSpPr>
-          <p:cNvPr id="2" name="标题 1">
-            <a:extLst>
-              <a:ext uri="{FF2B5EF4-FFF2-40B4-BE49-F238E27FC236}">
-                <a16:creationId xmlns:a16="http://schemas.microsoft.com/office/drawing/2014/main" id="{8CEB0F40-7832-412B-936A-12E56074793A}"/>
-              </a:ext>
-            </a:extLst>
-          </p:cNvPr>
+          <p:cNvPr id="2" name="标题 1"/>
           <p:cNvSpPr>
             <a:spLocks noGrp="1"/>
           </p:cNvSpPr>
@@ -4075,18 +3831,13 @@
               <a:rPr lang="zh-CN" altLang="en-US" dirty="0"/>
               <a:t>当前问题</a:t>
             </a:r>
-          </a:p>
-        </p:txBody>
-      </p:sp>
-      <p:sp>
-        <p:nvSpPr>
-          <p:cNvPr id="3" name="内容占位符 2">
-            <a:extLst>
-              <a:ext uri="{FF2B5EF4-FFF2-40B4-BE49-F238E27FC236}">
-                <a16:creationId xmlns:a16="http://schemas.microsoft.com/office/drawing/2014/main" id="{A5208E3D-23C5-40EA-BB0C-9D55E16C8BD3}"/>
-              </a:ext>
-            </a:extLst>
-          </p:cNvPr>
+            <a:endParaRPr lang="zh-CN" altLang="en-US" dirty="0"/>
+          </a:p>
+        </p:txBody>
+      </p:sp>
+      <p:sp>
+        <p:nvSpPr>
+          <p:cNvPr id="3" name="内容占位符 2"/>
           <p:cNvSpPr>
             <a:spLocks noGrp="1"/>
           </p:cNvSpPr>
@@ -4202,18 +3953,13 @@
               <a:rPr lang="zh-CN" altLang="en-US" dirty="0"/>
               <a:t>正在与石老师交流</a:t>
             </a:r>
-          </a:p>
-        </p:txBody>
-      </p:sp>
-      <p:sp>
-        <p:nvSpPr>
-          <p:cNvPr id="4" name="灯片编号占位符 3">
-            <a:extLst>
-              <a:ext uri="{FF2B5EF4-FFF2-40B4-BE49-F238E27FC236}">
-                <a16:creationId xmlns:a16="http://schemas.microsoft.com/office/drawing/2014/main" id="{88E334AA-F3C2-4B9F-AC0F-C1155B7DDC78}"/>
-              </a:ext>
-            </a:extLst>
-          </p:cNvPr>
+            <a:endParaRPr lang="zh-CN" altLang="en-US" dirty="0"/>
+          </a:p>
+        </p:txBody>
+      </p:sp>
+      <p:sp>
+        <p:nvSpPr>
+          <p:cNvPr id="4" name="灯片编号占位符 3"/>
           <p:cNvSpPr>
             <a:spLocks noGrp="1"/>
           </p:cNvSpPr>
@@ -4228,18 +3974,12 @@
           <a:p>
             <a:fld id="{519AEA81-C1FD-4B2C-87D1-3FA637539CC6}" type="slidenum">
               <a:rPr lang="zh-CN" altLang="en-US" smtClean="0"/>
-              <a:t>3</a:t>
             </a:fld>
             <a:endParaRPr lang="zh-CN" altLang="en-US" dirty="0"/>
           </a:p>
         </p:txBody>
       </p:sp>
     </p:spTree>
-    <p:extLst>
-      <p:ext uri="{BB962C8B-B14F-4D97-AF65-F5344CB8AC3E}">
-        <p14:creationId xmlns:p14="http://schemas.microsoft.com/office/powerpoint/2010/main" val="1940877564"/>
-      </p:ext>
-    </p:extLst>
   </p:cSld>
   <p:clrMapOvr>
     <a:masterClrMapping/>
@@ -4266,13 +4006,7 @@
       </p:grpSpPr>
       <p:sp>
         <p:nvSpPr>
-          <p:cNvPr id="2" name="标题 1">
-            <a:extLst>
-              <a:ext uri="{FF2B5EF4-FFF2-40B4-BE49-F238E27FC236}">
-                <a16:creationId xmlns:a16="http://schemas.microsoft.com/office/drawing/2014/main" id="{9AF682E2-4D54-4B39-A886-4B9732A26814}"/>
-              </a:ext>
-            </a:extLst>
-          </p:cNvPr>
+          <p:cNvPr id="2" name="标题 1"/>
           <p:cNvSpPr>
             <a:spLocks noGrp="1"/>
           </p:cNvSpPr>
@@ -4289,18 +4023,13 @@
               <a:rPr lang="zh-CN" altLang="en-US" dirty="0"/>
               <a:t>下一步计划</a:t>
             </a:r>
-          </a:p>
-        </p:txBody>
-      </p:sp>
-      <p:sp>
-        <p:nvSpPr>
-          <p:cNvPr id="3" name="内容占位符 2">
-            <a:extLst>
-              <a:ext uri="{FF2B5EF4-FFF2-40B4-BE49-F238E27FC236}">
-                <a16:creationId xmlns:a16="http://schemas.microsoft.com/office/drawing/2014/main" id="{DF413D79-2B8E-4D85-9992-667723369BA5}"/>
-              </a:ext>
-            </a:extLst>
-          </p:cNvPr>
+            <a:endParaRPr lang="zh-CN" altLang="en-US" dirty="0"/>
+          </a:p>
+        </p:txBody>
+      </p:sp>
+      <p:sp>
+        <p:nvSpPr>
+          <p:cNvPr id="3" name="内容占位符 2"/>
           <p:cNvSpPr>
             <a:spLocks noGrp="1"/>
           </p:cNvSpPr>
@@ -4376,6 +4105,7 @@
               <a:rPr lang="en-US" altLang="zh-CN" dirty="0"/>
               <a:t>bug</a:t>
             </a:r>
+            <a:endParaRPr lang="en-US" altLang="zh-CN" dirty="0"/>
           </a:p>
           <a:p>
             <a:pPr lvl="1"/>
@@ -4393,13 +4123,7 @@
       </p:sp>
       <p:sp>
         <p:nvSpPr>
-          <p:cNvPr id="4" name="灯片编号占位符 3">
-            <a:extLst>
-              <a:ext uri="{FF2B5EF4-FFF2-40B4-BE49-F238E27FC236}">
-                <a16:creationId xmlns:a16="http://schemas.microsoft.com/office/drawing/2014/main" id="{BECA477D-AAD1-4047-8619-33D91BA7C91D}"/>
-              </a:ext>
-            </a:extLst>
-          </p:cNvPr>
+          <p:cNvPr id="4" name="灯片编号占位符 3"/>
           <p:cNvSpPr>
             <a:spLocks noGrp="1"/>
           </p:cNvSpPr>
@@ -4414,18 +4138,12 @@
           <a:p>
             <a:fld id="{519AEA81-C1FD-4B2C-87D1-3FA637539CC6}" type="slidenum">
               <a:rPr lang="zh-CN" altLang="en-US" smtClean="0"/>
-              <a:t>4</a:t>
             </a:fld>
             <a:endParaRPr lang="zh-CN" altLang="en-US" dirty="0"/>
           </a:p>
         </p:txBody>
       </p:sp>
     </p:spTree>
-    <p:extLst>
-      <p:ext uri="{BB962C8B-B14F-4D97-AF65-F5344CB8AC3E}">
-        <p14:creationId xmlns:p14="http://schemas.microsoft.com/office/powerpoint/2010/main" val="3492657629"/>
-      </p:ext>
-    </p:extLst>
   </p:cSld>
   <p:clrMapOvr>
     <a:masterClrMapping/>
@@ -4492,6 +4210,7 @@
               <a:rPr lang="zh-CN" altLang="en-US"/>
               <a:t>感谢张译仁助教的鼎力支持！</a:t>
             </a:r>
+            <a:endParaRPr lang="zh-CN" altLang="en-US"/>
           </a:p>
         </p:txBody>
       </p:sp>
@@ -4512,7 +4231,6 @@
           <a:p>
             <a:fld id="{519AEA81-C1FD-4B2C-87D1-3FA637539CC6}" type="slidenum">
               <a:rPr lang="zh-CN" altLang="en-US" smtClean="0"/>
-              <a:t>5</a:t>
             </a:fld>
             <a:endParaRPr lang="zh-CN" altLang="en-US" dirty="0"/>
           </a:p>
@@ -4850,7 +4568,6 @@
       </a:lstStyle>
     </a:txDef>
   </a:objectDefaults>
-  <a:extraClrSchemeLst/>
   <a:extLst>
     <a:ext uri="{05A4C25C-085E-4340-85A3-A5531E510DB2}">
       <thm15:themeFamily xmlns:thm15="http://schemas.microsoft.com/office/thememl/2012/main" name="Office Theme" id="{62F939B6-93AF-4DB8-9C6B-D6C7DFDC589F}" vid="{4A3C46E8-61CC-4603-A589-7422A47A8E4A}"/>
@@ -5110,8 +4827,6 @@
       </a:bgFillStyleLst>
     </a:fmtScheme>
   </a:themeElements>
-  <a:objectDefaults/>
-  <a:extraClrSchemeLst/>
   <a:extLst>
     <a:ext uri="{05A4C25C-085E-4340-85A3-A5531E510DB2}">
       <thm15:themeFamily xmlns:thm15="http://schemas.microsoft.com/office/thememl/2012/main" name="Office Theme" id="{62F939B6-93AF-4DB8-9C6B-D6C7DFDC589F}" vid="{4A3C46E8-61CC-4603-A589-7422A47A8E4A}"/>
